--- a/GSW Homomorphic Encryption for Distributed Quantum Computing.pptx
+++ b/GSW Homomorphic Encryption for Distributed Quantum Computing.pptx
@@ -112,6 +112,11 @@
       </a:defRPr>
     </a:lvl9pPr>
   </p:defaultTextStyle>
+  <p:extLst>
+    <p:ext uri="{EFAFB233-063F-42B5-8137-9DF3F51BA10A}">
+      <p15:sldGuideLst xmlns:p15="http://schemas.microsoft.com/office/powerpoint/2012/main"/>
+    </p:ext>
+  </p:extLst>
 </p:presentation>
 </file>
 

--- a/GSW Homomorphic Encryption for Distributed Quantum Computing.pptx
+++ b/GSW Homomorphic Encryption for Distributed Quantum Computing.pptx
@@ -8,11 +8,11 @@
     <p:sldId id="256" r:id="rId2"/>
     <p:sldId id="257" r:id="rId3"/>
     <p:sldId id="259" r:id="rId4"/>
-    <p:sldId id="264" r:id="rId5"/>
-    <p:sldId id="258" r:id="rId6"/>
-    <p:sldId id="263" r:id="rId7"/>
-    <p:sldId id="262" r:id="rId8"/>
-    <p:sldId id="260" r:id="rId9"/>
+    <p:sldId id="260" r:id="rId5"/>
+    <p:sldId id="264" r:id="rId6"/>
+    <p:sldId id="258" r:id="rId7"/>
+    <p:sldId id="263" r:id="rId8"/>
+    <p:sldId id="262" r:id="rId9"/>
     <p:sldId id="261" r:id="rId10"/>
   </p:sldIdLst>
   <p:sldSz cx="12192000" cy="6858000"/>
@@ -267,7 +267,7 @@
           <a:p>
             <a:fld id="{7D372F5D-D709-42BE-94EE-2D2B7F9B6770}" type="datetimeFigureOut">
               <a:rPr lang="en-US" smtClean="0"/>
-              <a:t>5/4/2019</a:t>
+              <a:t>5/12/2019</a:t>
             </a:fld>
             <a:endParaRPr lang="en-US"/>
           </a:p>
@@ -465,7 +465,7 @@
           <a:p>
             <a:fld id="{7D372F5D-D709-42BE-94EE-2D2B7F9B6770}" type="datetimeFigureOut">
               <a:rPr lang="en-US" smtClean="0"/>
-              <a:t>5/4/2019</a:t>
+              <a:t>5/12/2019</a:t>
             </a:fld>
             <a:endParaRPr lang="en-US"/>
           </a:p>
@@ -673,7 +673,7 @@
           <a:p>
             <a:fld id="{7D372F5D-D709-42BE-94EE-2D2B7F9B6770}" type="datetimeFigureOut">
               <a:rPr lang="en-US" smtClean="0"/>
-              <a:t>5/4/2019</a:t>
+              <a:t>5/12/2019</a:t>
             </a:fld>
             <a:endParaRPr lang="en-US"/>
           </a:p>
@@ -871,7 +871,7 @@
           <a:p>
             <a:fld id="{7D372F5D-D709-42BE-94EE-2D2B7F9B6770}" type="datetimeFigureOut">
               <a:rPr lang="en-US" smtClean="0"/>
-              <a:t>5/4/2019</a:t>
+              <a:t>5/12/2019</a:t>
             </a:fld>
             <a:endParaRPr lang="en-US"/>
           </a:p>
@@ -1146,7 +1146,7 @@
           <a:p>
             <a:fld id="{7D372F5D-D709-42BE-94EE-2D2B7F9B6770}" type="datetimeFigureOut">
               <a:rPr lang="en-US" smtClean="0"/>
-              <a:t>5/4/2019</a:t>
+              <a:t>5/12/2019</a:t>
             </a:fld>
             <a:endParaRPr lang="en-US"/>
           </a:p>
@@ -1411,7 +1411,7 @@
           <a:p>
             <a:fld id="{7D372F5D-D709-42BE-94EE-2D2B7F9B6770}" type="datetimeFigureOut">
               <a:rPr lang="en-US" smtClean="0"/>
-              <a:t>5/4/2019</a:t>
+              <a:t>5/12/2019</a:t>
             </a:fld>
             <a:endParaRPr lang="en-US"/>
           </a:p>
@@ -1823,7 +1823,7 @@
           <a:p>
             <a:fld id="{7D372F5D-D709-42BE-94EE-2D2B7F9B6770}" type="datetimeFigureOut">
               <a:rPr lang="en-US" smtClean="0"/>
-              <a:t>5/4/2019</a:t>
+              <a:t>5/12/2019</a:t>
             </a:fld>
             <a:endParaRPr lang="en-US"/>
           </a:p>
@@ -1964,7 +1964,7 @@
           <a:p>
             <a:fld id="{7D372F5D-D709-42BE-94EE-2D2B7F9B6770}" type="datetimeFigureOut">
               <a:rPr lang="en-US" smtClean="0"/>
-              <a:t>5/4/2019</a:t>
+              <a:t>5/12/2019</a:t>
             </a:fld>
             <a:endParaRPr lang="en-US"/>
           </a:p>
@@ -2077,7 +2077,7 @@
           <a:p>
             <a:fld id="{7D372F5D-D709-42BE-94EE-2D2B7F9B6770}" type="datetimeFigureOut">
               <a:rPr lang="en-US" smtClean="0"/>
-              <a:t>5/4/2019</a:t>
+              <a:t>5/12/2019</a:t>
             </a:fld>
             <a:endParaRPr lang="en-US"/>
           </a:p>
@@ -2388,7 +2388,7 @@
           <a:p>
             <a:fld id="{7D372F5D-D709-42BE-94EE-2D2B7F9B6770}" type="datetimeFigureOut">
               <a:rPr lang="en-US" smtClean="0"/>
-              <a:t>5/4/2019</a:t>
+              <a:t>5/12/2019</a:t>
             </a:fld>
             <a:endParaRPr lang="en-US"/>
           </a:p>
@@ -2676,7 +2676,7 @@
           <a:p>
             <a:fld id="{7D372F5D-D709-42BE-94EE-2D2B7F9B6770}" type="datetimeFigureOut">
               <a:rPr lang="en-US" smtClean="0"/>
-              <a:t>5/4/2019</a:t>
+              <a:t>5/12/2019</a:t>
             </a:fld>
             <a:endParaRPr lang="en-US"/>
           </a:p>
@@ -2917,7 +2917,7 @@
           <a:p>
             <a:fld id="{7D372F5D-D709-42BE-94EE-2D2B7F9B6770}" type="datetimeFigureOut">
               <a:rPr lang="en-US" smtClean="0"/>
-              <a:t>5/4/2019</a:t>
+              <a:t>5/12/2019</a:t>
             </a:fld>
             <a:endParaRPr lang="en-US"/>
           </a:p>
@@ -3445,7 +3445,7 @@
           <a:p>
             <a:r>
               <a:rPr lang="en-US" dirty="0"/>
-              <a:t>Motivation</a:t>
+              <a:t>Initial Motivation</a:t>
             </a:r>
           </a:p>
         </p:txBody>
@@ -3646,7 +3646,7 @@
           <p:cNvPr id="2" name="Title 1">
             <a:extLst>
               <a:ext uri="{FF2B5EF4-FFF2-40B4-BE49-F238E27FC236}">
-                <a16:creationId xmlns:a16="http://schemas.microsoft.com/office/drawing/2014/main" id="{F3B856A2-A41C-4438-BC48-06D26F7565CD}"/>
+                <a16:creationId xmlns:a16="http://schemas.microsoft.com/office/drawing/2014/main" id="{D1547859-C8AC-40E7-A334-FBBC5A3C3296}"/>
               </a:ext>
             </a:extLst>
           </p:cNvPr>
@@ -3664,7 +3664,7 @@
           <a:p>
             <a:r>
               <a:rPr lang="en-US" dirty="0"/>
-              <a:t>Algorithm</a:t>
+              <a:t>Immediate Challenges</a:t>
             </a:r>
           </a:p>
         </p:txBody>
@@ -3674,7 +3674,7 @@
           <p:cNvPr id="3" name="Content Placeholder 2">
             <a:extLst>
               <a:ext uri="{FF2B5EF4-FFF2-40B4-BE49-F238E27FC236}">
-                <a16:creationId xmlns:a16="http://schemas.microsoft.com/office/drawing/2014/main" id="{0D88CA7A-A319-4560-AA84-9DBD2D39B029}"/>
+                <a16:creationId xmlns:a16="http://schemas.microsoft.com/office/drawing/2014/main" id="{16856089-2754-4DC7-BB3C-DDA97AEB34EE}"/>
               </a:ext>
             </a:extLst>
           </p:cNvPr>
@@ -3692,7 +3692,13 @@
           <a:p>
             <a:r>
               <a:rPr lang="en-US" dirty="0"/>
-              <a:t>This is where we put equations and such</a:t>
+              <a:t>Each bit is represented by a ciphertext matrix in GSW. Horrible computation.</a:t>
+            </a:r>
+          </a:p>
+          <a:p>
+            <a:r>
+              <a:rPr lang="en-US" dirty="0"/>
+              <a:t>Limited quantum computing resources.</a:t>
             </a:r>
           </a:p>
         </p:txBody>
@@ -3700,7 +3706,7 @@
     </p:spTree>
     <p:extLst>
       <p:ext uri="{BB962C8B-B14F-4D97-AF65-F5344CB8AC3E}">
-        <p14:creationId xmlns:p14="http://schemas.microsoft.com/office/powerpoint/2010/main" val="3116416851"/>
+        <p14:creationId xmlns:p14="http://schemas.microsoft.com/office/powerpoint/2010/main" val="125401430"/>
       </p:ext>
     </p:extLst>
   </p:cSld>
@@ -3732,7 +3738,7 @@
           <p:cNvPr id="2" name="Title 1">
             <a:extLst>
               <a:ext uri="{FF2B5EF4-FFF2-40B4-BE49-F238E27FC236}">
-                <a16:creationId xmlns:a16="http://schemas.microsoft.com/office/drawing/2014/main" id="{5042BA8E-DBBF-41A0-9186-32893AEE502F}"/>
+                <a16:creationId xmlns:a16="http://schemas.microsoft.com/office/drawing/2014/main" id="{F3B856A2-A41C-4438-BC48-06D26F7565CD}"/>
               </a:ext>
             </a:extLst>
           </p:cNvPr>
@@ -3750,7 +3756,7 @@
           <a:p>
             <a:r>
               <a:rPr lang="en-US" dirty="0"/>
-              <a:t>Execution</a:t>
+              <a:t>Algorithm</a:t>
             </a:r>
           </a:p>
         </p:txBody>
@@ -3760,7 +3766,7 @@
           <p:cNvPr id="3" name="Content Placeholder 2">
             <a:extLst>
               <a:ext uri="{FF2B5EF4-FFF2-40B4-BE49-F238E27FC236}">
-                <a16:creationId xmlns:a16="http://schemas.microsoft.com/office/drawing/2014/main" id="{2FECA795-91E7-4882-B8AC-A94E1D5A5836}"/>
+                <a16:creationId xmlns:a16="http://schemas.microsoft.com/office/drawing/2014/main" id="{0D88CA7A-A319-4560-AA84-9DBD2D39B029}"/>
               </a:ext>
             </a:extLst>
           </p:cNvPr>
@@ -3778,114 +3784,15 @@
           <a:p>
             <a:r>
               <a:rPr lang="en-US" dirty="0"/>
-              <a:t>5 files: </a:t>
-            </a:r>
-            <a:r>
-              <a:rPr lang="en-US" dirty="0" err="1"/>
-              <a:t>util</a:t>
-            </a:r>
-            <a:r>
-              <a:rPr lang="en-US" dirty="0"/>
-              <a:t>, </a:t>
-            </a:r>
-            <a:r>
-              <a:rPr lang="en-US" dirty="0" err="1"/>
-              <a:t>keyGen</a:t>
-            </a:r>
-            <a:r>
-              <a:rPr lang="en-US" dirty="0"/>
-              <a:t>, encrypt, decrypt, GSW</a:t>
-            </a:r>
-          </a:p>
-          <a:p>
-            <a:r>
-              <a:rPr lang="en-US" b="1" dirty="0" err="1"/>
-              <a:t>util</a:t>
-            </a:r>
-            <a:r>
-              <a:rPr lang="en-US" dirty="0"/>
-              <a:t>: contains utility functions (sieve, generate primes, build G, etc.)</a:t>
-            </a:r>
-          </a:p>
-          <a:p>
-            <a:r>
-              <a:rPr lang="en-US" b="1" dirty="0" err="1"/>
-              <a:t>keyGen</a:t>
-            </a:r>
-            <a:r>
-              <a:rPr lang="en-US" dirty="0"/>
-              <a:t>: security parameter k </a:t>
-            </a:r>
-            <a:r>
-              <a:rPr lang="en-US" dirty="0">
-                <a:sym typeface="Wingdings" panose="05000000000000000000" pitchFamily="2" charset="2"/>
-              </a:rPr>
-              <a:t> </a:t>
-            </a:r>
-            <a:r>
-              <a:rPr lang="en-US" dirty="0"/>
-              <a:t>(SK, PK) = (</a:t>
-            </a:r>
-            <a:r>
-              <a:rPr lang="en-US" dirty="0" err="1"/>
-              <a:t>t,B</a:t>
-            </a:r>
-            <a:r>
-              <a:rPr lang="en-US" dirty="0"/>
-              <a:t>)</a:t>
-            </a:r>
-          </a:p>
-          <a:p>
-            <a:r>
-              <a:rPr lang="en-US" b="1" dirty="0"/>
-              <a:t>encrypt</a:t>
-            </a:r>
-            <a:r>
-              <a:rPr lang="en-US" dirty="0"/>
-              <a:t>: plaintext bit b </a:t>
-            </a:r>
-            <a:r>
-              <a:rPr lang="en-US" dirty="0">
-                <a:sym typeface="Wingdings" panose="05000000000000000000" pitchFamily="2" charset="2"/>
-              </a:rPr>
-              <a:t> ciphertext matrix C</a:t>
-            </a:r>
-          </a:p>
-          <a:p>
-            <a:r>
-              <a:rPr lang="en-US" b="1" dirty="0">
-                <a:sym typeface="Wingdings" panose="05000000000000000000" pitchFamily="2" charset="2"/>
-              </a:rPr>
-              <a:t>decrypt</a:t>
-            </a:r>
-            <a:r>
-              <a:rPr lang="en-US" dirty="0">
-                <a:sym typeface="Wingdings" panose="05000000000000000000" pitchFamily="2" charset="2"/>
-              </a:rPr>
-              <a:t>: C  b</a:t>
-            </a:r>
-          </a:p>
-          <a:p>
-            <a:r>
-              <a:rPr lang="en-US" b="1" dirty="0">
-                <a:sym typeface="Wingdings" panose="05000000000000000000" pitchFamily="2" charset="2"/>
-              </a:rPr>
-              <a:t>GSW</a:t>
-            </a:r>
-            <a:r>
-              <a:rPr lang="en-US" dirty="0">
-                <a:sym typeface="Wingdings" panose="05000000000000000000" pitchFamily="2" charset="2"/>
-              </a:rPr>
-              <a:t>: runs the entire process, incorporates bootstrapping</a:t>
-            </a:r>
-            <a:endParaRPr lang="en-US" dirty="0"/>
+              <a:t>This is where we put equations and such</a:t>
+            </a:r>
           </a:p>
         </p:txBody>
       </p:sp>
     </p:spTree>
     <p:extLst>
       <p:ext uri="{BB962C8B-B14F-4D97-AF65-F5344CB8AC3E}">
-        <p14:creationId xmlns:p14="http://schemas.microsoft.com/office/powerpoint/2010/main" val="4022964490"/>
+        <p14:creationId xmlns:p14="http://schemas.microsoft.com/office/powerpoint/2010/main" val="3116416851"/>
       </p:ext>
     </p:extLst>
   </p:cSld>
@@ -3917,7 +3824,7 @@
           <p:cNvPr id="2" name="Title 1">
             <a:extLst>
               <a:ext uri="{FF2B5EF4-FFF2-40B4-BE49-F238E27FC236}">
-                <a16:creationId xmlns:a16="http://schemas.microsoft.com/office/drawing/2014/main" id="{71A8219D-89E2-4088-9F4B-41AC95B0CCBE}"/>
+                <a16:creationId xmlns:a16="http://schemas.microsoft.com/office/drawing/2014/main" id="{5042BA8E-DBBF-41A0-9186-32893AEE502F}"/>
               </a:ext>
             </a:extLst>
           </p:cNvPr>
@@ -3935,7 +3842,7 @@
           <a:p>
             <a:r>
               <a:rPr lang="en-US" dirty="0"/>
-              <a:t>Bootstrapping</a:t>
+              <a:t>Execution</a:t>
             </a:r>
           </a:p>
         </p:txBody>
@@ -3945,7 +3852,7 @@
           <p:cNvPr id="3" name="Content Placeholder 2">
             <a:extLst>
               <a:ext uri="{FF2B5EF4-FFF2-40B4-BE49-F238E27FC236}">
-                <a16:creationId xmlns:a16="http://schemas.microsoft.com/office/drawing/2014/main" id="{06CAFDB0-1C21-47AF-8109-9997697C2B60}"/>
+                <a16:creationId xmlns:a16="http://schemas.microsoft.com/office/drawing/2014/main" id="{2FECA795-91E7-4882-B8AC-A94E1D5A5836}"/>
               </a:ext>
             </a:extLst>
           </p:cNvPr>
@@ -3963,15 +3870,114 @@
           <a:p>
             <a:r>
               <a:rPr lang="en-US" dirty="0"/>
-              <a:t>A fun discussion about how we did bootstrapping</a:t>
-            </a:r>
+              <a:t>5 files: </a:t>
+            </a:r>
+            <a:r>
+              <a:rPr lang="en-US" dirty="0" err="1"/>
+              <a:t>util</a:t>
+            </a:r>
+            <a:r>
+              <a:rPr lang="en-US" dirty="0"/>
+              <a:t>, </a:t>
+            </a:r>
+            <a:r>
+              <a:rPr lang="en-US" dirty="0" err="1"/>
+              <a:t>keyGen</a:t>
+            </a:r>
+            <a:r>
+              <a:rPr lang="en-US" dirty="0"/>
+              <a:t>, encrypt, decrypt, GSW</a:t>
+            </a:r>
+          </a:p>
+          <a:p>
+            <a:r>
+              <a:rPr lang="en-US" b="1" dirty="0" err="1"/>
+              <a:t>util</a:t>
+            </a:r>
+            <a:r>
+              <a:rPr lang="en-US" dirty="0"/>
+              <a:t>: contains utility functions (sieve, generate primes, build G, etc.)</a:t>
+            </a:r>
+          </a:p>
+          <a:p>
+            <a:r>
+              <a:rPr lang="en-US" b="1" dirty="0" err="1"/>
+              <a:t>keyGen</a:t>
+            </a:r>
+            <a:r>
+              <a:rPr lang="en-US" dirty="0"/>
+              <a:t>: security parameter k </a:t>
+            </a:r>
+            <a:r>
+              <a:rPr lang="en-US" dirty="0">
+                <a:sym typeface="Wingdings" panose="05000000000000000000" pitchFamily="2" charset="2"/>
+              </a:rPr>
+              <a:t> </a:t>
+            </a:r>
+            <a:r>
+              <a:rPr lang="en-US" dirty="0"/>
+              <a:t>(SK, PK) = (</a:t>
+            </a:r>
+            <a:r>
+              <a:rPr lang="en-US" dirty="0" err="1"/>
+              <a:t>t,B</a:t>
+            </a:r>
+            <a:r>
+              <a:rPr lang="en-US" dirty="0"/>
+              <a:t>)</a:t>
+            </a:r>
+          </a:p>
+          <a:p>
+            <a:r>
+              <a:rPr lang="en-US" b="1" dirty="0"/>
+              <a:t>encrypt</a:t>
+            </a:r>
+            <a:r>
+              <a:rPr lang="en-US" dirty="0"/>
+              <a:t>: plaintext bit b </a:t>
+            </a:r>
+            <a:r>
+              <a:rPr lang="en-US" dirty="0">
+                <a:sym typeface="Wingdings" panose="05000000000000000000" pitchFamily="2" charset="2"/>
+              </a:rPr>
+              <a:t> ciphertext matrix C</a:t>
+            </a:r>
+          </a:p>
+          <a:p>
+            <a:r>
+              <a:rPr lang="en-US" b="1" dirty="0">
+                <a:sym typeface="Wingdings" panose="05000000000000000000" pitchFamily="2" charset="2"/>
+              </a:rPr>
+              <a:t>decrypt</a:t>
+            </a:r>
+            <a:r>
+              <a:rPr lang="en-US" dirty="0">
+                <a:sym typeface="Wingdings" panose="05000000000000000000" pitchFamily="2" charset="2"/>
+              </a:rPr>
+              <a:t>: C  b</a:t>
+            </a:r>
+          </a:p>
+          <a:p>
+            <a:r>
+              <a:rPr lang="en-US" b="1" dirty="0">
+                <a:sym typeface="Wingdings" panose="05000000000000000000" pitchFamily="2" charset="2"/>
+              </a:rPr>
+              <a:t>GSW</a:t>
+            </a:r>
+            <a:r>
+              <a:rPr lang="en-US" dirty="0">
+                <a:sym typeface="Wingdings" panose="05000000000000000000" pitchFamily="2" charset="2"/>
+              </a:rPr>
+              <a:t>: runs the entire process, incorporates bootstrapping</a:t>
+            </a:r>
+            <a:endParaRPr lang="en-US" dirty="0"/>
           </a:p>
         </p:txBody>
       </p:sp>
     </p:spTree>
     <p:extLst>
       <p:ext uri="{BB962C8B-B14F-4D97-AF65-F5344CB8AC3E}">
-        <p14:creationId xmlns:p14="http://schemas.microsoft.com/office/powerpoint/2010/main" val="2048870319"/>
+        <p14:creationId xmlns:p14="http://schemas.microsoft.com/office/powerpoint/2010/main" val="4022964490"/>
       </p:ext>
     </p:extLst>
   </p:cSld>
@@ -4003,7 +4009,7 @@
           <p:cNvPr id="2" name="Title 1">
             <a:extLst>
               <a:ext uri="{FF2B5EF4-FFF2-40B4-BE49-F238E27FC236}">
-                <a16:creationId xmlns:a16="http://schemas.microsoft.com/office/drawing/2014/main" id="{E4A158ED-56A6-4B83-AB8F-F0BA72B80802}"/>
+                <a16:creationId xmlns:a16="http://schemas.microsoft.com/office/drawing/2014/main" id="{71A8219D-89E2-4088-9F4B-41AC95B0CCBE}"/>
               </a:ext>
             </a:extLst>
           </p:cNvPr>
@@ -4021,7 +4027,7 @@
           <a:p>
             <a:r>
               <a:rPr lang="en-US" dirty="0"/>
-              <a:t>Results</a:t>
+              <a:t>Bootstrapping</a:t>
             </a:r>
           </a:p>
         </p:txBody>
@@ -4031,7 +4037,7 @@
           <p:cNvPr id="3" name="Content Placeholder 2">
             <a:extLst>
               <a:ext uri="{FF2B5EF4-FFF2-40B4-BE49-F238E27FC236}">
-                <a16:creationId xmlns:a16="http://schemas.microsoft.com/office/drawing/2014/main" id="{167FF0C6-3AFD-4A48-B67C-49E5DB845A5B}"/>
+                <a16:creationId xmlns:a16="http://schemas.microsoft.com/office/drawing/2014/main" id="{06CAFDB0-1C21-47AF-8109-9997697C2B60}"/>
               </a:ext>
             </a:extLst>
           </p:cNvPr>
@@ -4049,25 +4055,7 @@
           <a:p>
             <a:r>
               <a:rPr lang="en-US" dirty="0"/>
-              <a:t>Operation:</a:t>
-            </a:r>
-          </a:p>
-          <a:p>
-            <a:r>
-              <a:rPr lang="en-US" dirty="0"/>
-              <a:t>Correctness:</a:t>
-            </a:r>
-          </a:p>
-          <a:p>
-            <a:r>
-              <a:rPr lang="en-US" dirty="0"/>
-              <a:t>Security:</a:t>
-            </a:r>
-          </a:p>
-          <a:p>
-            <a:r>
-              <a:rPr lang="en-US" dirty="0"/>
-              <a:t>Run time:</a:t>
+              <a:t>A fun discussion about how we did bootstrapping</a:t>
             </a:r>
           </a:p>
         </p:txBody>
@@ -4075,7 +4063,7 @@
     </p:spTree>
     <p:extLst>
       <p:ext uri="{BB962C8B-B14F-4D97-AF65-F5344CB8AC3E}">
-        <p14:creationId xmlns:p14="http://schemas.microsoft.com/office/powerpoint/2010/main" val="3698953951"/>
+        <p14:creationId xmlns:p14="http://schemas.microsoft.com/office/powerpoint/2010/main" val="2048870319"/>
       </p:ext>
     </p:extLst>
   </p:cSld>
@@ -4107,7 +4095,7 @@
           <p:cNvPr id="2" name="Title 1">
             <a:extLst>
               <a:ext uri="{FF2B5EF4-FFF2-40B4-BE49-F238E27FC236}">
-                <a16:creationId xmlns:a16="http://schemas.microsoft.com/office/drawing/2014/main" id="{D1547859-C8AC-40E7-A334-FBBC5A3C3296}"/>
+                <a16:creationId xmlns:a16="http://schemas.microsoft.com/office/drawing/2014/main" id="{E4A158ED-56A6-4B83-AB8F-F0BA72B80802}"/>
               </a:ext>
             </a:extLst>
           </p:cNvPr>
@@ -4125,7 +4113,7 @@
           <a:p>
             <a:r>
               <a:rPr lang="en-US" dirty="0"/>
-              <a:t>Challenges</a:t>
+              <a:t>Results</a:t>
             </a:r>
           </a:p>
         </p:txBody>
@@ -4135,7 +4123,7 @@
           <p:cNvPr id="3" name="Content Placeholder 2">
             <a:extLst>
               <a:ext uri="{FF2B5EF4-FFF2-40B4-BE49-F238E27FC236}">
-                <a16:creationId xmlns:a16="http://schemas.microsoft.com/office/drawing/2014/main" id="{16856089-2754-4DC7-BB3C-DDA97AEB34EE}"/>
+                <a16:creationId xmlns:a16="http://schemas.microsoft.com/office/drawing/2014/main" id="{167FF0C6-3AFD-4A48-B67C-49E5DB845A5B}"/>
               </a:ext>
             </a:extLst>
           </p:cNvPr>
@@ -4153,26 +4141,25 @@
           <a:p>
             <a:r>
               <a:rPr lang="en-US" dirty="0"/>
-              <a:t>Each bit is represented by a ciphertext matrix in GSW</a:t>
-            </a:r>
-          </a:p>
-          <a:p>
-            <a:pPr lvl="1"/>
+              <a:t>Operation:</a:t>
+            </a:r>
+          </a:p>
+          <a:p>
             <a:r>
               <a:rPr lang="en-US" dirty="0"/>
-              <a:t>Limited quantum computing resources</a:t>
+              <a:t>Correctness:</a:t>
             </a:r>
           </a:p>
           <a:p>
             <a:r>
               <a:rPr lang="en-US" dirty="0"/>
-              <a:t>Bootstrapping adds complexity to interface</a:t>
+              <a:t>Security:</a:t>
             </a:r>
           </a:p>
           <a:p>
             <a:r>
               <a:rPr lang="en-US" dirty="0"/>
-              <a:t>Computation time</a:t>
+              <a:t>Run time:</a:t>
             </a:r>
           </a:p>
         </p:txBody>
@@ -4180,7 +4167,7 @@
     </p:spTree>
     <p:extLst>
       <p:ext uri="{BB962C8B-B14F-4D97-AF65-F5344CB8AC3E}">
-        <p14:creationId xmlns:p14="http://schemas.microsoft.com/office/powerpoint/2010/main" val="125401430"/>
+        <p14:creationId xmlns:p14="http://schemas.microsoft.com/office/powerpoint/2010/main" val="3698953951"/>
       </p:ext>
     </p:extLst>
   </p:cSld>
